--- a/中間発表/2024Summer中間発表.pptx
+++ b/中間発表/2024Summer中間発表.pptx
@@ -230,6 +230,11 @@
                 </a:outerShdw>
               </a:effectLst>
             </c:spPr>
+            <c:extLst>
+              <c:ext xmlns:c16="http://schemas.microsoft.com/office/drawing/2014/chart" uri="{C3380CC4-5D6E-409C-BE32-E72D297353CC}">
+                <c16:uniqueId val="{00000001-E4BF-4863-91D0-E3147C4C3C4A}"/>
+              </c:ext>
+            </c:extLst>
           </c:dPt>
           <c:dPt>
             <c:idx val="1"/>
@@ -249,6 +254,11 @@
                 </a:outerShdw>
               </a:effectLst>
             </c:spPr>
+            <c:extLst>
+              <c:ext xmlns:c16="http://schemas.microsoft.com/office/drawing/2014/chart" uri="{C3380CC4-5D6E-409C-BE32-E72D297353CC}">
+                <c16:uniqueId val="{00000003-E4BF-4863-91D0-E3147C4C3C4A}"/>
+              </c:ext>
+            </c:extLst>
           </c:dPt>
           <c:dPt>
             <c:idx val="2"/>
@@ -268,6 +278,11 @@
                 </a:outerShdw>
               </a:effectLst>
             </c:spPr>
+            <c:extLst>
+              <c:ext xmlns:c16="http://schemas.microsoft.com/office/drawing/2014/chart" uri="{C3380CC4-5D6E-409C-BE32-E72D297353CC}">
+                <c16:uniqueId val="{00000005-E4BF-4863-91D0-E3147C4C3C4A}"/>
+              </c:ext>
+            </c:extLst>
           </c:dPt>
           <c:dPt>
             <c:idx val="3"/>
@@ -287,6 +302,11 @@
                 </a:outerShdw>
               </a:effectLst>
             </c:spPr>
+            <c:extLst>
+              <c:ext xmlns:c16="http://schemas.microsoft.com/office/drawing/2014/chart" uri="{C3380CC4-5D6E-409C-BE32-E72D297353CC}">
+                <c16:uniqueId val="{00000007-E4BF-4863-91D0-E3147C4C3C4A}"/>
+              </c:ext>
+            </c:extLst>
           </c:dPt>
           <c:dPt>
             <c:idx val="4"/>
@@ -306,6 +326,11 @@
                 </a:outerShdw>
               </a:effectLst>
             </c:spPr>
+            <c:extLst>
+              <c:ext xmlns:c16="http://schemas.microsoft.com/office/drawing/2014/chart" uri="{C3380CC4-5D6E-409C-BE32-E72D297353CC}">
+                <c16:uniqueId val="{00000009-E4BF-4863-91D0-E3147C4C3C4A}"/>
+              </c:ext>
+            </c:extLst>
           </c:dPt>
           <c:dLbls>
             <c:spPr>
@@ -1235,7 +1260,7 @@
           <a:p>
             <a:fld id="{585E3958-DE9C-4437-A7F0-AE651BDE7457}" type="datetimeFigureOut">
               <a:rPr kumimoji="1" lang="ja-JP" altLang="en-US" smtClean="0"/>
-              <a:t>2024/6/4</a:t>
+              <a:t>2024/6/5</a:t>
             </a:fld>
             <a:endParaRPr kumimoji="1" lang="ja-JP" altLang="en-US"/>
           </a:p>
@@ -1465,7 +1490,7 @@
           <a:p>
             <a:fld id="{585E3958-DE9C-4437-A7F0-AE651BDE7457}" type="datetimeFigureOut">
               <a:rPr kumimoji="1" lang="ja-JP" altLang="en-US" smtClean="0"/>
-              <a:t>2024/6/4</a:t>
+              <a:t>2024/6/5</a:t>
             </a:fld>
             <a:endParaRPr kumimoji="1" lang="ja-JP" altLang="en-US"/>
           </a:p>
@@ -1705,7 +1730,7 @@
           <a:p>
             <a:fld id="{585E3958-DE9C-4437-A7F0-AE651BDE7457}" type="datetimeFigureOut">
               <a:rPr kumimoji="1" lang="ja-JP" altLang="en-US" smtClean="0"/>
-              <a:t>2024/6/4</a:t>
+              <a:t>2024/6/5</a:t>
             </a:fld>
             <a:endParaRPr kumimoji="1" lang="ja-JP" altLang="en-US"/>
           </a:p>
@@ -1935,7 +1960,7 @@
           <a:p>
             <a:fld id="{585E3958-DE9C-4437-A7F0-AE651BDE7457}" type="datetimeFigureOut">
               <a:rPr kumimoji="1" lang="ja-JP" altLang="en-US" smtClean="0"/>
-              <a:t>2024/6/4</a:t>
+              <a:t>2024/6/5</a:t>
             </a:fld>
             <a:endParaRPr kumimoji="1" lang="ja-JP" altLang="en-US"/>
           </a:p>
@@ -2210,7 +2235,7 @@
           <a:p>
             <a:fld id="{585E3958-DE9C-4437-A7F0-AE651BDE7457}" type="datetimeFigureOut">
               <a:rPr kumimoji="1" lang="ja-JP" altLang="en-US" smtClean="0"/>
-              <a:t>2024/6/4</a:t>
+              <a:t>2024/6/5</a:t>
             </a:fld>
             <a:endParaRPr kumimoji="1" lang="ja-JP" altLang="en-US"/>
           </a:p>
@@ -2539,7 +2564,7 @@
           <a:p>
             <a:fld id="{585E3958-DE9C-4437-A7F0-AE651BDE7457}" type="datetimeFigureOut">
               <a:rPr kumimoji="1" lang="ja-JP" altLang="en-US" smtClean="0"/>
-              <a:t>2024/6/4</a:t>
+              <a:t>2024/6/5</a:t>
             </a:fld>
             <a:endParaRPr kumimoji="1" lang="ja-JP" altLang="en-US"/>
           </a:p>
@@ -3015,7 +3040,7 @@
           <a:p>
             <a:fld id="{585E3958-DE9C-4437-A7F0-AE651BDE7457}" type="datetimeFigureOut">
               <a:rPr kumimoji="1" lang="ja-JP" altLang="en-US" smtClean="0"/>
-              <a:t>2024/6/4</a:t>
+              <a:t>2024/6/5</a:t>
             </a:fld>
             <a:endParaRPr kumimoji="1" lang="ja-JP" altLang="en-US"/>
           </a:p>
@@ -3156,7 +3181,7 @@
           <a:p>
             <a:fld id="{585E3958-DE9C-4437-A7F0-AE651BDE7457}" type="datetimeFigureOut">
               <a:rPr kumimoji="1" lang="ja-JP" altLang="en-US" smtClean="0"/>
-              <a:t>2024/6/4</a:t>
+              <a:t>2024/6/5</a:t>
             </a:fld>
             <a:endParaRPr kumimoji="1" lang="ja-JP" altLang="en-US"/>
           </a:p>
@@ -3269,7 +3294,7 @@
           <a:p>
             <a:fld id="{585E3958-DE9C-4437-A7F0-AE651BDE7457}" type="datetimeFigureOut">
               <a:rPr kumimoji="1" lang="ja-JP" altLang="en-US" smtClean="0"/>
-              <a:t>2024/6/4</a:t>
+              <a:t>2024/6/5</a:t>
             </a:fld>
             <a:endParaRPr kumimoji="1" lang="ja-JP" altLang="en-US"/>
           </a:p>
@@ -3612,7 +3637,7 @@
           <a:p>
             <a:fld id="{585E3958-DE9C-4437-A7F0-AE651BDE7457}" type="datetimeFigureOut">
               <a:rPr kumimoji="1" lang="ja-JP" altLang="en-US" smtClean="0"/>
-              <a:t>2024/6/4</a:t>
+              <a:t>2024/6/5</a:t>
             </a:fld>
             <a:endParaRPr kumimoji="1" lang="ja-JP" altLang="en-US"/>
           </a:p>
@@ -3900,7 +3925,7 @@
           <a:p>
             <a:fld id="{585E3958-DE9C-4437-A7F0-AE651BDE7457}" type="datetimeFigureOut">
               <a:rPr kumimoji="1" lang="ja-JP" altLang="en-US" smtClean="0"/>
-              <a:t>2024/6/4</a:t>
+              <a:t>2024/6/5</a:t>
             </a:fld>
             <a:endParaRPr kumimoji="1" lang="ja-JP" altLang="en-US"/>
           </a:p>
@@ -4173,7 +4198,7 @@
           <a:p>
             <a:fld id="{585E3958-DE9C-4437-A7F0-AE651BDE7457}" type="datetimeFigureOut">
               <a:rPr kumimoji="1" lang="ja-JP" altLang="en-US" smtClean="0"/>
-              <a:t>2024/6/4</a:t>
+              <a:t>2024/6/5</a:t>
             </a:fld>
             <a:endParaRPr kumimoji="1" lang="ja-JP" altLang="en-US"/>
           </a:p>
@@ -4855,13 +4880,6 @@
             <a:endParaRPr kumimoji="1" lang="en-US" altLang="ja-JP" sz="2400" dirty="0"/>
           </a:p>
           <a:p>
-            <a:pPr marL="0" indent="0">
-              <a:buNone/>
-            </a:pPr>
-            <a:r>
-              <a:rPr lang="ja-JP" altLang="en-US" sz="2400" dirty="0"/>
-              <a:t>・</a:t>
-            </a:r>
             <a:r>
               <a:rPr lang="ja-JP" altLang="en-US" sz="2000" dirty="0"/>
               <a:t>ジャンプ、移動</a:t>
@@ -5050,6 +5068,12 @@
               <a:rPr lang="ja-JP" altLang="en-US" sz="2400" dirty="0"/>
               <a:t>コントローラー対応</a:t>
             </a:r>
+            <a:endParaRPr lang="en-US" altLang="ja-JP" sz="2400" dirty="0"/>
+          </a:p>
+          <a:p>
+            <a:pPr marL="0" indent="0">
+              <a:buNone/>
+            </a:pPr>
             <a:endParaRPr kumimoji="1" lang="en-US" altLang="ja-JP" sz="2400" dirty="0"/>
           </a:p>
         </p:txBody>
